--- a/presentation/CapA_TopicPresentation_Final.pptx
+++ b/presentation/CapA_TopicPresentation_Final.pptx
@@ -5,37 +5,38 @@
     <p:sldMasterId id="2147483659" r:id="rId1"/>
   </p:sldMasterIdLst>
   <p:notesMasterIdLst>
-    <p:notesMasterId r:id="rId15"/>
+    <p:notesMasterId r:id="rId16"/>
   </p:notesMasterIdLst>
   <p:sldIdLst>
     <p:sldId id="256" r:id="rId2"/>
     <p:sldId id="257" r:id="rId3"/>
     <p:sldId id="258" r:id="rId4"/>
-    <p:sldId id="264" r:id="rId5"/>
-    <p:sldId id="261" r:id="rId6"/>
-    <p:sldId id="265" r:id="rId7"/>
-    <p:sldId id="268" r:id="rId8"/>
-    <p:sldId id="266" r:id="rId9"/>
-    <p:sldId id="269" r:id="rId10"/>
-    <p:sldId id="270" r:id="rId11"/>
-    <p:sldId id="262" r:id="rId12"/>
-    <p:sldId id="263" r:id="rId13"/>
-    <p:sldId id="271" r:id="rId14"/>
+    <p:sldId id="272" r:id="rId5"/>
+    <p:sldId id="264" r:id="rId6"/>
+    <p:sldId id="261" r:id="rId7"/>
+    <p:sldId id="265" r:id="rId8"/>
+    <p:sldId id="268" r:id="rId9"/>
+    <p:sldId id="266" r:id="rId10"/>
+    <p:sldId id="269" r:id="rId11"/>
+    <p:sldId id="270" r:id="rId12"/>
+    <p:sldId id="262" r:id="rId13"/>
+    <p:sldId id="263" r:id="rId14"/>
+    <p:sldId id="271" r:id="rId15"/>
   </p:sldIdLst>
   <p:sldSz cx="9144000" cy="5143500" type="screen16x9"/>
   <p:notesSz cx="6858000" cy="9144000"/>
   <p:embeddedFontLst>
     <p:embeddedFont>
-      <p:font typeface="Maven Pro" pitchFamily="2" charset="77"/>
-      <p:regular r:id="rId16"/>
-      <p:bold r:id="rId17"/>
+      <p:font typeface="Maven Pro" panose="020B0604020202020204" charset="0"/>
+      <p:regular r:id="rId17"/>
+      <p:bold r:id="rId18"/>
     </p:embeddedFont>
     <p:embeddedFont>
-      <p:font typeface="Nunito" pitchFamily="2" charset="77"/>
-      <p:regular r:id="rId18"/>
-      <p:bold r:id="rId19"/>
-      <p:italic r:id="rId20"/>
-      <p:boldItalic r:id="rId21"/>
+      <p:font typeface="Nunito" panose="020B0604020202020204" charset="0"/>
+      <p:regular r:id="rId19"/>
+      <p:bold r:id="rId20"/>
+      <p:italic r:id="rId21"/>
+      <p:boldItalic r:id="rId22"/>
     </p:embeddedFont>
   </p:embeddedFontLst>
   <p:defaultTextStyle>
@@ -284,6 +285,14 @@
     </p:ext>
   </p:extLst>
 </p:presentation>
+</file>
+
+<file path=ppt/revisionInfo.xml><?xml version="1.0" encoding="utf-8"?>
+<p1510:revInfo xmlns:a="http://schemas.openxmlformats.org/drawingml/2006/main" xmlns:r="http://schemas.openxmlformats.org/officeDocument/2006/relationships" xmlns:p1510="http://schemas.microsoft.com/office/powerpoint/2015/10/main">
+  <p1510:revLst>
+    <p1510:client id="{245C0061-2C7A-44D2-A1FF-ABF8CC2CBAE7}" v="179" dt="2019-10-03T22:53:43.754"/>
+  </p1510:revLst>
+</p1510:revInfo>
 </file>
 
 <file path=ppt/notesMasters/notesMaster1.xml><?xml version="1.0" encoding="utf-8"?>
@@ -16137,6 +16146,170 @@
             </a:pPr>
             <a:r>
               <a:rPr lang="en-US" dirty="0"/>
+              <a:t>Domain Knowledge</a:t>
+            </a:r>
+            <a:endParaRPr dirty="0"/>
+          </a:p>
+        </p:txBody>
+      </p:sp>
+      <p:sp>
+        <p:nvSpPr>
+          <p:cNvPr id="9" name="Google Shape;302;p17">
+            <a:extLst>
+              <a:ext uri="{FF2B5EF4-FFF2-40B4-BE49-F238E27FC236}">
+                <a16:creationId xmlns:a16="http://schemas.microsoft.com/office/drawing/2014/main" id="{3473A039-F2E5-EB46-B746-F32CD105B9CA}"/>
+              </a:ext>
+            </a:extLst>
+          </p:cNvPr>
+          <p:cNvSpPr txBox="1">
+            <a:spLocks noGrp="1"/>
+          </p:cNvSpPr>
+          <p:nvPr>
+            <p:ph type="body" idx="1"/>
+          </p:nvPr>
+        </p:nvSpPr>
+        <p:spPr>
+          <a:prstGeom prst="rect">
+            <a:avLst/>
+          </a:prstGeom>
+        </p:spPr>
+        <p:txBody>
+          <a:bodyPr spcFirstLastPara="1" wrap="square" lIns="91425" tIns="91425" rIns="91425" bIns="91425" anchor="t" anchorCtr="0">
+            <a:noAutofit/>
+          </a:bodyPr>
+          <a:lstStyle/>
+          <a:p>
+            <a:pPr lvl="0" algn="just"/>
+            <a:r>
+              <a:rPr lang="en-US" dirty="0"/>
+              <a:t>The team will need to gain an intimate understanding of health care provider patient profiles, procedural/narrative coding, insurance, and billing standards.</a:t>
+            </a:r>
+          </a:p>
+          <a:p>
+            <a:pPr lvl="0" algn="just"/>
+            <a:r>
+              <a:rPr lang="en-US" dirty="0"/>
+              <a:t>The team will also investigate existing approaches for algorithmically identifying common fraud schemes in health care provider datasets, through peer reviewed research and industry journals.</a:t>
+            </a:r>
+          </a:p>
+          <a:p>
+            <a:pPr lvl="0" algn="just"/>
+            <a:r>
+              <a:rPr lang="en-US" dirty="0"/>
+              <a:t>This information will be gathered through our research as well as through our consultation with MITRE.</a:t>
+            </a:r>
+          </a:p>
+          <a:p>
+            <a:pPr lvl="0" algn="just"/>
+            <a:endParaRPr lang="en" dirty="0"/>
+          </a:p>
+          <a:p>
+            <a:pPr lvl="0" algn="just"/>
+            <a:endParaRPr lang="en" dirty="0"/>
+          </a:p>
+          <a:p>
+            <a:pPr marL="457200" lvl="0" indent="-311150" algn="just" rtl="0">
+              <a:spcBef>
+                <a:spcPts val="0"/>
+              </a:spcBef>
+              <a:spcAft>
+                <a:spcPts val="0"/>
+              </a:spcAft>
+              <a:buSzPts val="1300"/>
+              <a:buChar char="●"/>
+            </a:pPr>
+            <a:endParaRPr lang="en" dirty="0"/>
+          </a:p>
+          <a:p>
+            <a:pPr marL="457200" lvl="0" indent="-311150" algn="just" rtl="0">
+              <a:spcBef>
+                <a:spcPts val="0"/>
+              </a:spcBef>
+              <a:spcAft>
+                <a:spcPts val="0"/>
+              </a:spcAft>
+              <a:buSzPts val="1300"/>
+              <a:buChar char="●"/>
+            </a:pPr>
+            <a:endParaRPr lang="en" dirty="0"/>
+          </a:p>
+          <a:p>
+            <a:pPr marL="457200" lvl="0" indent="-311150" algn="just" rtl="0">
+              <a:spcBef>
+                <a:spcPts val="0"/>
+              </a:spcBef>
+              <a:spcAft>
+                <a:spcPts val="0"/>
+              </a:spcAft>
+              <a:buSzPts val="1300"/>
+              <a:buChar char="●"/>
+            </a:pPr>
+            <a:endParaRPr lang="en" dirty="0"/>
+          </a:p>
+        </p:txBody>
+      </p:sp>
+    </p:spTree>
+    <p:extLst>
+      <p:ext uri="{BB962C8B-B14F-4D97-AF65-F5344CB8AC3E}">
+        <p14:creationId xmlns:p14="http://schemas.microsoft.com/office/powerpoint/2010/main" val="3516843184"/>
+      </p:ext>
+    </p:extLst>
+  </p:cSld>
+  <p:clrMapOvr>
+    <a:masterClrMapping/>
+  </p:clrMapOvr>
+</p:sld>
+</file>
+
+<file path=ppt/slides/slide11.xml><?xml version="1.0" encoding="utf-8"?>
+<p:sld xmlns:a="http://schemas.openxmlformats.org/drawingml/2006/main" xmlns:r="http://schemas.openxmlformats.org/officeDocument/2006/relationships" xmlns:p="http://schemas.openxmlformats.org/presentationml/2006/main">
+  <p:cSld>
+    <p:spTree>
+      <p:nvGrpSpPr>
+        <p:cNvPr id="1" name="Shape 307"/>
+        <p:cNvGrpSpPr/>
+        <p:nvPr/>
+      </p:nvGrpSpPr>
+      <p:grpSpPr>
+        <a:xfrm>
+          <a:off x="0" y="0"/>
+          <a:ext cx="0" cy="0"/>
+          <a:chOff x="0" y="0"/>
+          <a:chExt cx="0" cy="0"/>
+        </a:xfrm>
+      </p:grpSpPr>
+      <p:sp>
+        <p:nvSpPr>
+          <p:cNvPr id="308" name="Google Shape;308;p18"/>
+          <p:cNvSpPr txBox="1">
+            <a:spLocks noGrp="1"/>
+          </p:cNvSpPr>
+          <p:nvPr>
+            <p:ph type="title"/>
+          </p:nvPr>
+        </p:nvSpPr>
+        <p:spPr>
+          <a:prstGeom prst="rect">
+            <a:avLst/>
+          </a:prstGeom>
+        </p:spPr>
+        <p:txBody>
+          <a:bodyPr spcFirstLastPara="1" wrap="square" lIns="91425" tIns="91425" rIns="91425" bIns="91425" anchor="t" anchorCtr="0">
+            <a:noAutofit/>
+          </a:bodyPr>
+          <a:lstStyle/>
+          <a:p>
+            <a:pPr marL="0" lvl="0" indent="0" algn="l" rtl="0">
+              <a:spcBef>
+                <a:spcPts val="0"/>
+              </a:spcBef>
+              <a:spcAft>
+                <a:spcPts val="0"/>
+              </a:spcAft>
+              <a:buNone/>
+            </a:pPr>
+            <a:r>
+              <a:rPr lang="en-US" dirty="0"/>
               <a:t>Tools and Algorithms</a:t>
             </a:r>
             <a:endParaRPr dirty="0"/>
@@ -16256,7 +16429,7 @@
 </p:sld>
 </file>
 
-<file path=ppt/slides/slide11.xml><?xml version="1.0" encoding="utf-8"?>
+<file path=ppt/slides/slide12.xml><?xml version="1.0" encoding="utf-8"?>
 <p:sld xmlns:a="http://schemas.openxmlformats.org/drawingml/2006/main" xmlns:r="http://schemas.openxmlformats.org/officeDocument/2006/relationships" xmlns:p="http://schemas.openxmlformats.org/presentationml/2006/main">
   <p:cSld>
     <p:spTree>
@@ -16519,7 +16692,7 @@
 </p:sld>
 </file>
 
-<file path=ppt/slides/slide12.xml><?xml version="1.0" encoding="utf-8"?>
+<file path=ppt/slides/slide13.xml><?xml version="1.0" encoding="utf-8"?>
 <p:sld xmlns:a="http://schemas.openxmlformats.org/drawingml/2006/main" xmlns:r="http://schemas.openxmlformats.org/officeDocument/2006/relationships" xmlns:p="http://schemas.openxmlformats.org/presentationml/2006/main">
   <p:cSld>
     <p:spTree>
@@ -16682,7 +16855,7 @@
 </p:sld>
 </file>
 
-<file path=ppt/slides/slide13.xml><?xml version="1.0" encoding="utf-8"?>
+<file path=ppt/slides/slide14.xml><?xml version="1.0" encoding="utf-8"?>
 <p:sld xmlns:a="http://schemas.openxmlformats.org/drawingml/2006/main" xmlns:r="http://schemas.openxmlformats.org/officeDocument/2006/relationships" xmlns:p="http://schemas.openxmlformats.org/presentationml/2006/main">
   <p:cSld>
     <p:spTree>
@@ -17068,6 +17241,178 @@
   <p:cSld>
     <p:spTree>
       <p:nvGrpSpPr>
+        <p:cNvPr id="1" name=""/>
+        <p:cNvGrpSpPr/>
+        <p:nvPr/>
+      </p:nvGrpSpPr>
+      <p:grpSpPr>
+        <a:xfrm>
+          <a:off x="0" y="0"/>
+          <a:ext cx="0" cy="0"/>
+          <a:chOff x="0" y="0"/>
+          <a:chExt cx="0" cy="0"/>
+        </a:xfrm>
+      </p:grpSpPr>
+      <p:sp>
+        <p:nvSpPr>
+          <p:cNvPr id="2" name="Title 1">
+            <a:extLst>
+              <a:ext uri="{FF2B5EF4-FFF2-40B4-BE49-F238E27FC236}">
+                <a16:creationId xmlns:a16="http://schemas.microsoft.com/office/drawing/2014/main" id="{76278632-1E0C-4468-AFB0-72164DAC8A8C}"/>
+              </a:ext>
+            </a:extLst>
+          </p:cNvPr>
+          <p:cNvSpPr>
+            <a:spLocks noGrp="1"/>
+          </p:cNvSpPr>
+          <p:nvPr>
+            <p:ph type="title"/>
+          </p:nvPr>
+        </p:nvSpPr>
+        <p:spPr>
+          <a:xfrm>
+            <a:off x="1461455" y="243851"/>
+            <a:ext cx="7247276" cy="1058421"/>
+          </a:xfrm>
+        </p:spPr>
+        <p:txBody>
+          <a:bodyPr/>
+          <a:lstStyle/>
+          <a:p>
+            <a:r>
+              <a:rPr lang="en-US" dirty="0"/>
+              <a:t>Components Contributing to High Healthcare Costs</a:t>
+            </a:r>
+          </a:p>
+        </p:txBody>
+      </p:sp>
+      <p:sp>
+        <p:nvSpPr>
+          <p:cNvPr id="3" name="Text Placeholder 2">
+            <a:extLst>
+              <a:ext uri="{FF2B5EF4-FFF2-40B4-BE49-F238E27FC236}">
+                <a16:creationId xmlns:a16="http://schemas.microsoft.com/office/drawing/2014/main" id="{87B0E1B9-545A-492A-A3D2-8C2702D62CDF}"/>
+              </a:ext>
+            </a:extLst>
+          </p:cNvPr>
+          <p:cNvSpPr>
+            <a:spLocks noGrp="1"/>
+          </p:cNvSpPr>
+          <p:nvPr>
+            <p:ph type="body" idx="1"/>
+          </p:nvPr>
+        </p:nvSpPr>
+        <p:spPr>
+          <a:xfrm>
+            <a:off x="1018050" y="1310163"/>
+            <a:ext cx="7316250" cy="3221487"/>
+          </a:xfrm>
+        </p:spPr>
+        <p:txBody>
+          <a:bodyPr/>
+          <a:lstStyle/>
+          <a:p>
+            <a:r>
+              <a:rPr lang="en-US" sz="1800" dirty="0"/>
+              <a:t>Administrative Cost </a:t>
+            </a:r>
+            <a:endParaRPr lang="en-US" dirty="0"/>
+          </a:p>
+          <a:p>
+            <a:pPr>
+              <a:lnSpc>
+                <a:spcPct val="114999"/>
+              </a:lnSpc>
+            </a:pPr>
+            <a:r>
+              <a:rPr lang="en-US" sz="1800" dirty="0"/>
+              <a:t>High and disparate Drug Cost</a:t>
+            </a:r>
+            <a:endParaRPr lang="en-US" dirty="0"/>
+          </a:p>
+          <a:p>
+            <a:pPr>
+              <a:lnSpc>
+                <a:spcPct val="114999"/>
+              </a:lnSpc>
+            </a:pPr>
+            <a:r>
+              <a:rPr lang="en-US" sz="1800" dirty="0"/>
+              <a:t>Defensive Medicine for fear of law-suit</a:t>
+            </a:r>
+          </a:p>
+          <a:p>
+            <a:pPr>
+              <a:lnSpc>
+                <a:spcPct val="114999"/>
+              </a:lnSpc>
+            </a:pPr>
+            <a:r>
+              <a:rPr lang="en-US" sz="1800" dirty="0"/>
+              <a:t>Co pays, Out of pocket expenses, taxes and Government Healthcare programs (Medicare and Medicaid)</a:t>
+            </a:r>
+          </a:p>
+          <a:p>
+            <a:pPr>
+              <a:lnSpc>
+                <a:spcPct val="114999"/>
+              </a:lnSpc>
+            </a:pPr>
+            <a:r>
+              <a:rPr lang="en-US" sz="1800" dirty="0"/>
+              <a:t>Expensive mix of treatments</a:t>
+            </a:r>
+          </a:p>
+          <a:p>
+            <a:pPr>
+              <a:lnSpc>
+                <a:spcPct val="114999"/>
+              </a:lnSpc>
+            </a:pPr>
+            <a:r>
+              <a:rPr lang="en-US" sz="1800" dirty="0"/>
+              <a:t>Wages and work rules of specialists employed</a:t>
+            </a:r>
+          </a:p>
+          <a:p>
+            <a:pPr>
+              <a:lnSpc>
+                <a:spcPct val="114999"/>
+              </a:lnSpc>
+            </a:pPr>
+            <a:r>
+              <a:rPr lang="en-US" sz="1800" dirty="0"/>
+              <a:t>Branding providers</a:t>
+            </a:r>
+          </a:p>
+          <a:p>
+            <a:pPr>
+              <a:lnSpc>
+                <a:spcPct val="114999"/>
+              </a:lnSpc>
+            </a:pPr>
+            <a:endParaRPr lang="en-US" dirty="0"/>
+          </a:p>
+        </p:txBody>
+      </p:sp>
+    </p:spTree>
+    <p:extLst>
+      <p:ext uri="{BB962C8B-B14F-4D97-AF65-F5344CB8AC3E}">
+        <p14:creationId xmlns:p14="http://schemas.microsoft.com/office/powerpoint/2010/main" val="2804246640"/>
+      </p:ext>
+    </p:extLst>
+  </p:cSld>
+  <p:clrMapOvr>
+    <a:masterClrMapping/>
+  </p:clrMapOvr>
+</p:sld>
+</file>
+
+<file path=ppt/slides/slide5.xml><?xml version="1.0" encoding="utf-8"?>
+<p:sld xmlns:a="http://schemas.openxmlformats.org/drawingml/2006/main" xmlns:r="http://schemas.openxmlformats.org/officeDocument/2006/relationships" xmlns:p="http://schemas.openxmlformats.org/presentationml/2006/main">
+  <p:cSld>
+    <p:spTree>
+      <p:nvGrpSpPr>
         <p:cNvPr id="1" name="Shape 288"/>
         <p:cNvGrpSpPr/>
         <p:nvPr/>
@@ -17318,7 +17663,7 @@
 </p:sld>
 </file>
 
-<file path=ppt/slides/slide5.xml><?xml version="1.0" encoding="utf-8"?>
+<file path=ppt/slides/slide6.xml><?xml version="1.0" encoding="utf-8"?>
 <p:sld xmlns:a="http://schemas.openxmlformats.org/drawingml/2006/main" xmlns:r="http://schemas.openxmlformats.org/officeDocument/2006/relationships" xmlns:p="http://schemas.openxmlformats.org/presentationml/2006/main">
   <p:cSld>
     <p:spTree>
@@ -17570,7 +17915,7 @@
 </p:sld>
 </file>
 
-<file path=ppt/slides/slide6.xml><?xml version="1.0" encoding="utf-8"?>
+<file path=ppt/slides/slide7.xml><?xml version="1.0" encoding="utf-8"?>
 <p:sld xmlns:a="http://schemas.openxmlformats.org/drawingml/2006/main" xmlns:r="http://schemas.openxmlformats.org/officeDocument/2006/relationships" xmlns:p="http://schemas.openxmlformats.org/presentationml/2006/main">
   <p:cSld>
     <p:spTree>
@@ -17761,7 +18106,7 @@
 </p:sld>
 </file>
 
-<file path=ppt/slides/slide7.xml><?xml version="1.0" encoding="utf-8"?>
+<file path=ppt/slides/slide8.xml><?xml version="1.0" encoding="utf-8"?>
 <p:sld xmlns:a="http://schemas.openxmlformats.org/drawingml/2006/main" xmlns:r="http://schemas.openxmlformats.org/officeDocument/2006/relationships" xmlns:p="http://schemas.openxmlformats.org/presentationml/2006/main">
   <p:cSld>
     <p:spTree>
@@ -17874,7 +18219,7 @@
 </p:sld>
 </file>
 
-<file path=ppt/slides/slide8.xml><?xml version="1.0" encoding="utf-8"?>
+<file path=ppt/slides/slide9.xml><?xml version="1.0" encoding="utf-8"?>
 <p:sld xmlns:a="http://schemas.openxmlformats.org/drawingml/2006/main" xmlns:r="http://schemas.openxmlformats.org/officeDocument/2006/relationships" xmlns:p="http://schemas.openxmlformats.org/presentationml/2006/main">
   <p:cSld>
     <p:spTree>
@@ -18066,170 +18411,6 @@
     <p:extLst>
       <p:ext uri="{BB962C8B-B14F-4D97-AF65-F5344CB8AC3E}">
         <p14:creationId xmlns:p14="http://schemas.microsoft.com/office/powerpoint/2010/main" val="3215429281"/>
-      </p:ext>
-    </p:extLst>
-  </p:cSld>
-  <p:clrMapOvr>
-    <a:masterClrMapping/>
-  </p:clrMapOvr>
-</p:sld>
-</file>
-
-<file path=ppt/slides/slide9.xml><?xml version="1.0" encoding="utf-8"?>
-<p:sld xmlns:a="http://schemas.openxmlformats.org/drawingml/2006/main" xmlns:r="http://schemas.openxmlformats.org/officeDocument/2006/relationships" xmlns:p="http://schemas.openxmlformats.org/presentationml/2006/main">
-  <p:cSld>
-    <p:spTree>
-      <p:nvGrpSpPr>
-        <p:cNvPr id="1" name="Shape 307"/>
-        <p:cNvGrpSpPr/>
-        <p:nvPr/>
-      </p:nvGrpSpPr>
-      <p:grpSpPr>
-        <a:xfrm>
-          <a:off x="0" y="0"/>
-          <a:ext cx="0" cy="0"/>
-          <a:chOff x="0" y="0"/>
-          <a:chExt cx="0" cy="0"/>
-        </a:xfrm>
-      </p:grpSpPr>
-      <p:sp>
-        <p:nvSpPr>
-          <p:cNvPr id="308" name="Google Shape;308;p18"/>
-          <p:cNvSpPr txBox="1">
-            <a:spLocks noGrp="1"/>
-          </p:cNvSpPr>
-          <p:nvPr>
-            <p:ph type="title"/>
-          </p:nvPr>
-        </p:nvSpPr>
-        <p:spPr>
-          <a:prstGeom prst="rect">
-            <a:avLst/>
-          </a:prstGeom>
-        </p:spPr>
-        <p:txBody>
-          <a:bodyPr spcFirstLastPara="1" wrap="square" lIns="91425" tIns="91425" rIns="91425" bIns="91425" anchor="t" anchorCtr="0">
-            <a:noAutofit/>
-          </a:bodyPr>
-          <a:lstStyle/>
-          <a:p>
-            <a:pPr marL="0" lvl="0" indent="0" algn="l" rtl="0">
-              <a:spcBef>
-                <a:spcPts val="0"/>
-              </a:spcBef>
-              <a:spcAft>
-                <a:spcPts val="0"/>
-              </a:spcAft>
-              <a:buNone/>
-            </a:pPr>
-            <a:r>
-              <a:rPr lang="en-US" dirty="0"/>
-              <a:t>Domain Knowledge</a:t>
-            </a:r>
-            <a:endParaRPr dirty="0"/>
-          </a:p>
-        </p:txBody>
-      </p:sp>
-      <p:sp>
-        <p:nvSpPr>
-          <p:cNvPr id="9" name="Google Shape;302;p17">
-            <a:extLst>
-              <a:ext uri="{FF2B5EF4-FFF2-40B4-BE49-F238E27FC236}">
-                <a16:creationId xmlns:a16="http://schemas.microsoft.com/office/drawing/2014/main" id="{3473A039-F2E5-EB46-B746-F32CD105B9CA}"/>
-              </a:ext>
-            </a:extLst>
-          </p:cNvPr>
-          <p:cNvSpPr txBox="1">
-            <a:spLocks noGrp="1"/>
-          </p:cNvSpPr>
-          <p:nvPr>
-            <p:ph type="body" idx="1"/>
-          </p:nvPr>
-        </p:nvSpPr>
-        <p:spPr>
-          <a:prstGeom prst="rect">
-            <a:avLst/>
-          </a:prstGeom>
-        </p:spPr>
-        <p:txBody>
-          <a:bodyPr spcFirstLastPara="1" wrap="square" lIns="91425" tIns="91425" rIns="91425" bIns="91425" anchor="t" anchorCtr="0">
-            <a:noAutofit/>
-          </a:bodyPr>
-          <a:lstStyle/>
-          <a:p>
-            <a:pPr lvl="0" algn="just"/>
-            <a:r>
-              <a:rPr lang="en-US" dirty="0"/>
-              <a:t>The team will need to gain an intimate understanding of health care provider patient profiles, procedural/narrative coding, insurance, and billing standards.</a:t>
-            </a:r>
-          </a:p>
-          <a:p>
-            <a:pPr lvl="0" algn="just"/>
-            <a:r>
-              <a:rPr lang="en-US" dirty="0"/>
-              <a:t>The team will also investigate existing approaches for algorithmically identifying common fraud schemes in health care provider datasets, through peer reviewed research and industry journals.</a:t>
-            </a:r>
-          </a:p>
-          <a:p>
-            <a:pPr lvl="0" algn="just"/>
-            <a:r>
-              <a:rPr lang="en-US" dirty="0"/>
-              <a:t>This information will be gathered through our research as well as through our consultation with MITRE.</a:t>
-            </a:r>
-          </a:p>
-          <a:p>
-            <a:pPr lvl="0" algn="just"/>
-            <a:endParaRPr lang="en" dirty="0"/>
-          </a:p>
-          <a:p>
-            <a:pPr lvl="0" algn="just"/>
-            <a:endParaRPr lang="en" dirty="0"/>
-          </a:p>
-          <a:p>
-            <a:pPr marL="457200" lvl="0" indent="-311150" algn="just" rtl="0">
-              <a:spcBef>
-                <a:spcPts val="0"/>
-              </a:spcBef>
-              <a:spcAft>
-                <a:spcPts val="0"/>
-              </a:spcAft>
-              <a:buSzPts val="1300"/>
-              <a:buChar char="●"/>
-            </a:pPr>
-            <a:endParaRPr lang="en" dirty="0"/>
-          </a:p>
-          <a:p>
-            <a:pPr marL="457200" lvl="0" indent="-311150" algn="just" rtl="0">
-              <a:spcBef>
-                <a:spcPts val="0"/>
-              </a:spcBef>
-              <a:spcAft>
-                <a:spcPts val="0"/>
-              </a:spcAft>
-              <a:buSzPts val="1300"/>
-              <a:buChar char="●"/>
-            </a:pPr>
-            <a:endParaRPr lang="en" dirty="0"/>
-          </a:p>
-          <a:p>
-            <a:pPr marL="457200" lvl="0" indent="-311150" algn="just" rtl="0">
-              <a:spcBef>
-                <a:spcPts val="0"/>
-              </a:spcBef>
-              <a:spcAft>
-                <a:spcPts val="0"/>
-              </a:spcAft>
-              <a:buSzPts val="1300"/>
-              <a:buChar char="●"/>
-            </a:pPr>
-            <a:endParaRPr lang="en" dirty="0"/>
-          </a:p>
-        </p:txBody>
-      </p:sp>
-    </p:spTree>
-    <p:extLst>
-      <p:ext uri="{BB962C8B-B14F-4D97-AF65-F5344CB8AC3E}">
-        <p14:creationId xmlns:p14="http://schemas.microsoft.com/office/powerpoint/2010/main" val="3516843184"/>
       </p:ext>
     </p:extLst>
   </p:cSld>
